--- a/KMU/classfication.pptx
+++ b/KMU/classfication.pptx
@@ -248,7 +248,7 @@
           </a:lstStyle>
           <a:p>
             <a:fld id="{555C3A28-1B1B-F547-AF61-2E31010706F6}" type="datetimeFigureOut">
-              <a:t>2016-11-12</a:t>
+              <a:t>2016-11-11</a:t>
             </a:fld>
             <a:endParaRPr lang="en-US"/>
           </a:p>
@@ -701,7 +701,7 @@
                 <a:latin typeface="Calibri"/>
               </a:rPr>
               <a:pPr/>
-              <a:t>11/12/2016</a:t>
+              <a:t>11/11/2016</a:t>
             </a:fld>
             <a:endParaRPr lang="en-US">
               <a:solidFill>
@@ -906,7 +906,7 @@
                 <a:latin typeface="Calibri"/>
               </a:rPr>
               <a:pPr/>
-              <a:t>11/12/2016</a:t>
+              <a:t>11/11/2016</a:t>
             </a:fld>
             <a:endParaRPr lang="en-US">
               <a:solidFill>
@@ -1121,7 +1121,7 @@
                 <a:latin typeface="Calibri"/>
               </a:rPr>
               <a:pPr/>
-              <a:t>11/12/2016</a:t>
+              <a:t>11/11/2016</a:t>
             </a:fld>
             <a:endParaRPr lang="en-US">
               <a:solidFill>
@@ -1326,7 +1326,7 @@
                 <a:latin typeface="Calibri"/>
               </a:rPr>
               <a:pPr/>
-              <a:t>11/12/2016</a:t>
+              <a:t>11/11/2016</a:t>
             </a:fld>
             <a:endParaRPr lang="en-US">
               <a:solidFill>
@@ -1608,7 +1608,7 @@
                 <a:latin typeface="Calibri"/>
               </a:rPr>
               <a:pPr/>
-              <a:t>11/12/2016</a:t>
+              <a:t>11/11/2016</a:t>
             </a:fld>
             <a:endParaRPr lang="en-US">
               <a:solidFill>
@@ -1930,7 +1930,7 @@
                 <a:latin typeface="Calibri"/>
               </a:rPr>
               <a:pPr/>
-              <a:t>11/12/2016</a:t>
+              <a:t>11/11/2016</a:t>
             </a:fld>
             <a:endParaRPr lang="en-US">
               <a:solidFill>
@@ -2386,7 +2386,7 @@
                 <a:latin typeface="Calibri"/>
               </a:rPr>
               <a:pPr/>
-              <a:t>11/12/2016</a:t>
+              <a:t>11/11/2016</a:t>
             </a:fld>
             <a:endParaRPr lang="en-US">
               <a:solidFill>
@@ -2540,7 +2540,7 @@
                 <a:latin typeface="Calibri"/>
               </a:rPr>
               <a:pPr/>
-              <a:t>11/12/2016</a:t>
+              <a:t>11/11/2016</a:t>
             </a:fld>
             <a:endParaRPr lang="en-US">
               <a:solidFill>
@@ -2672,7 +2672,7 @@
                 <a:latin typeface="Calibri"/>
               </a:rPr>
               <a:pPr/>
-              <a:t>11/12/2016</a:t>
+              <a:t>11/11/2016</a:t>
             </a:fld>
             <a:endParaRPr lang="en-US">
               <a:solidFill>
@@ -2984,7 +2984,7 @@
                 <a:latin typeface="Calibri"/>
               </a:rPr>
               <a:pPr/>
-              <a:t>11/12/2016</a:t>
+              <a:t>11/11/2016</a:t>
             </a:fld>
             <a:endParaRPr lang="en-US">
               <a:solidFill>
@@ -3276,7 +3276,7 @@
                 <a:latin typeface="Calibri"/>
               </a:rPr>
               <a:pPr/>
-              <a:t>11/12/2016</a:t>
+              <a:t>11/11/2016</a:t>
             </a:fld>
             <a:endParaRPr lang="en-US">
               <a:solidFill>
@@ -3520,7 +3520,7 @@
             <a:fld id="{8DA0D5A3-9DA8-EB42-B75F-6689E8347009}" type="datetime1">
               <a:rPr lang="en-US" smtClean="0"/>
               <a:pPr/>
-              <a:t>11/12/2016</a:t>
+              <a:t>11/11/2016</a:t>
             </a:fld>
             <a:endParaRPr lang="en-US"/>
           </a:p>
@@ -4905,98 +4905,6 @@
           </a:p>
         </p:txBody>
       </p:sp>
-      <p:sp>
-        <p:nvSpPr>
-          <p:cNvPr id="5" name="직사각형 4"/>
-          <p:cNvSpPr/>
-          <p:nvPr/>
-        </p:nvSpPr>
-        <p:spPr>
-          <a:xfrm>
-            <a:off x="457200" y="2556933"/>
-            <a:ext cx="6400800" cy="973667"/>
-          </a:xfrm>
-          <a:prstGeom prst="rect">
-            <a:avLst/>
-          </a:prstGeom>
-          <a:noFill/>
-          <a:ln>
-            <a:solidFill>
-              <a:srgbClr val="FF0000"/>
-            </a:solidFill>
-          </a:ln>
-        </p:spPr>
-        <p:style>
-          <a:lnRef idx="2">
-            <a:schemeClr val="accent1">
-              <a:shade val="50000"/>
-            </a:schemeClr>
-          </a:lnRef>
-          <a:fillRef idx="1">
-            <a:schemeClr val="accent1"/>
-          </a:fillRef>
-          <a:effectRef idx="0">
-            <a:schemeClr val="accent1"/>
-          </a:effectRef>
-          <a:fontRef idx="minor">
-            <a:schemeClr val="lt1"/>
-          </a:fontRef>
-        </p:style>
-        <p:txBody>
-          <a:bodyPr rtlCol="0" anchor="ctr"/>
-          <a:lstStyle/>
-          <a:p>
-            <a:pPr algn="ctr"/>
-            <a:endParaRPr lang="ko-KR" altLang="en-US"/>
-          </a:p>
-        </p:txBody>
-      </p:sp>
-      <p:sp>
-        <p:nvSpPr>
-          <p:cNvPr id="7" name="직사각형 6"/>
-          <p:cNvSpPr/>
-          <p:nvPr/>
-        </p:nvSpPr>
-        <p:spPr>
-          <a:xfrm>
-            <a:off x="457200" y="4944533"/>
-            <a:ext cx="6400800" cy="973667"/>
-          </a:xfrm>
-          <a:prstGeom prst="rect">
-            <a:avLst/>
-          </a:prstGeom>
-          <a:noFill/>
-          <a:ln>
-            <a:solidFill>
-              <a:srgbClr val="FF0000"/>
-            </a:solidFill>
-          </a:ln>
-        </p:spPr>
-        <p:style>
-          <a:lnRef idx="2">
-            <a:schemeClr val="accent1">
-              <a:shade val="50000"/>
-            </a:schemeClr>
-          </a:lnRef>
-          <a:fillRef idx="1">
-            <a:schemeClr val="accent1"/>
-          </a:fillRef>
-          <a:effectRef idx="0">
-            <a:schemeClr val="accent1"/>
-          </a:effectRef>
-          <a:fontRef idx="minor">
-            <a:schemeClr val="lt1"/>
-          </a:fontRef>
-        </p:style>
-        <p:txBody>
-          <a:bodyPr rtlCol="0" anchor="ctr"/>
-          <a:lstStyle/>
-          <a:p>
-            <a:pPr algn="ctr"/>
-            <a:endParaRPr lang="ko-KR" altLang="en-US"/>
-          </a:p>
-        </p:txBody>
-      </p:sp>
     </p:spTree>
     <p:extLst>
       <p:ext uri="{BB962C8B-B14F-4D97-AF65-F5344CB8AC3E}">
@@ -5177,9 +5085,7 @@
         </p:nvSpPr>
         <p:spPr/>
         <p:txBody>
-          <a:bodyPr>
-            <a:normAutofit lnSpcReduction="10000"/>
-          </a:bodyPr>
+          <a:bodyPr/>
           <a:lstStyle/>
           <a:p>
             <a:r>
@@ -5218,20 +5124,6 @@
               <a:t>에 비해 예측력이 좋음</a:t>
             </a:r>
             <a:endParaRPr lang="en-US" altLang="ko-KR"/>
-          </a:p>
-          <a:p>
-            <a:r>
-              <a:rPr lang="en-US" altLang="ko-KR"/>
-              <a:t>(overfitting </a:t>
-            </a:r>
-            <a:r>
-              <a:rPr lang="ko-KR" altLang="en-US"/>
-              <a:t>방지</a:t>
-            </a:r>
-            <a:r>
-              <a:rPr lang="en-US" altLang="ko-KR"/>
-              <a:t>)</a:t>
-            </a:r>
           </a:p>
           <a:p>
             <a:endParaRPr lang="en-US" altLang="ko-KR"/>
@@ -5251,77 +5143,39 @@
       </p:sp>
       <p:sp>
         <p:nvSpPr>
-          <p:cNvPr id="5" name="직사각형 4"/>
-          <p:cNvSpPr/>
-          <p:nvPr/>
+          <p:cNvPr id="4" name="슬라이드 번호 개체 틀 3"/>
+          <p:cNvSpPr>
+            <a:spLocks noGrp="1"/>
+          </p:cNvSpPr>
+          <p:nvPr>
+            <p:ph type="sldNum" sz="quarter" idx="12"/>
+          </p:nvPr>
         </p:nvSpPr>
-        <p:spPr>
-          <a:xfrm>
-            <a:off x="457200" y="2556933"/>
-            <a:ext cx="6400800" cy="973667"/>
-          </a:xfrm>
-          <a:prstGeom prst="rect">
-            <a:avLst/>
-          </a:prstGeom>
-          <a:noFill/>
-          <a:ln>
-            <a:solidFill>
-              <a:srgbClr val="FF0000"/>
-            </a:solidFill>
-          </a:ln>
-        </p:spPr>
-        <p:style>
-          <a:lnRef idx="2">
-            <a:schemeClr val="accent1">
-              <a:shade val="50000"/>
-            </a:schemeClr>
-          </a:lnRef>
-          <a:fillRef idx="1">
-            <a:schemeClr val="accent1"/>
-          </a:fillRef>
-          <a:effectRef idx="0">
-            <a:schemeClr val="accent1"/>
-          </a:effectRef>
-          <a:fontRef idx="minor">
-            <a:schemeClr val="lt1"/>
-          </a:fontRef>
-        </p:style>
+        <p:spPr/>
         <p:txBody>
-          <a:bodyPr rtlCol="0" anchor="ctr"/>
+          <a:bodyPr/>
           <a:lstStyle/>
           <a:p>
-            <a:pPr algn="ctr"/>
-            <a:endParaRPr lang="ko-KR" altLang="en-US"/>
-          </a:p>
-        </p:txBody>
-      </p:sp>
-      <p:sp>
-        <p:nvSpPr>
-          <p:cNvPr id="6" name="TextBox 5"/>
-          <p:cNvSpPr txBox="1"/>
-          <p:nvPr/>
-        </p:nvSpPr>
-        <p:spPr>
-          <a:xfrm>
-            <a:off x="4135120" y="4988560"/>
-            <a:ext cx="602986" cy="369332"/>
-          </a:xfrm>
-          <a:prstGeom prst="rect">
-            <a:avLst/>
-          </a:prstGeom>
-          <a:noFill/>
-        </p:spPr>
-        <p:txBody>
-          <a:bodyPr wrap="none" rtlCol="0">
-            <a:spAutoFit/>
-          </a:bodyPr>
-          <a:lstStyle/>
-          <a:p>
-            <a:r>
-              <a:rPr lang="en-US" altLang="ko-KR"/>
-              <a:t>over</a:t>
-            </a:r>
-            <a:endParaRPr lang="ko-KR" altLang="en-US"/>
+            <a:fld id="{355C8CD4-83D7-7647-8134-C50FE20CA8A2}" type="slidenum">
+              <a:rPr lang="en-US" smtClean="0">
+                <a:solidFill>
+                  <a:prstClr val="white">
+                    <a:tint val="75000"/>
+                  </a:prstClr>
+                </a:solidFill>
+                <a:latin typeface="Calibri"/>
+              </a:rPr>
+              <a:pPr/>
+              <a:t>14</a:t>
+            </a:fld>
+            <a:endParaRPr lang="en-US">
+              <a:solidFill>
+                <a:prstClr val="white">
+                  <a:tint val="75000"/>
+                </a:prstClr>
+              </a:solidFill>
+              <a:latin typeface="Calibri"/>
+            </a:endParaRPr>
           </a:p>
         </p:txBody>
       </p:sp>
